--- a/WanderHub_AI_Presentation.pptx.pptx
+++ b/WanderHub_AI_Presentation.pptx.pptx
@@ -3408,7 +3408,7 @@
         </p:nvSpPr>
         <p:spPr>
           <a:xfrm>
-            <a:off x="1066800" y="767715"/>
+            <a:off x="1066800" y="310515"/>
             <a:ext cx="7620000" cy="2638425"/>
           </a:xfrm>
           <a:prstGeom prst="rect">
@@ -3508,8 +3508,8 @@
         </p:nvSpPr>
         <p:spPr>
           <a:xfrm>
-            <a:off x="2608580" y="3599180"/>
-            <a:ext cx="5700395" cy="1688465"/>
+            <a:off x="2608580" y="3218180"/>
+            <a:ext cx="5700395" cy="2089150"/>
           </a:xfrm>
           <a:prstGeom prst="rect">
             <a:avLst/>
@@ -3650,6 +3650,50 @@
               </a:rPr>
               <a:t>L1S22BSCS0188 — Hamza Amir</a:t>
             </a:r>
+            <a:endParaRPr lang="en-US" sz="2200">
+              <a:solidFill>
+                <a:srgbClr val="DCDCDC"/>
+              </a:solidFill>
+              <a:latin typeface="Times New Roman MT" panose="02030502070405020303"/>
+              <a:ea typeface="Times New Roman MT" panose="02030502070405020303"/>
+              <a:cs typeface="Times New Roman MT" panose="02030502070405020303"/>
+              <a:sym typeface="Times New Roman MT" panose="02030502070405020303"/>
+            </a:endParaRPr>
+          </a:p>
+          <a:p>
+            <a:pPr algn="just">
+              <a:lnSpc>
+                <a:spcPct val="100000"/>
+              </a:lnSpc>
+            </a:pPr>
+            <a:r>
+              <a:rPr lang="en-US" sz="2200">
+                <a:solidFill>
+                  <a:srgbClr val="DCDCDC"/>
+                </a:solidFill>
+                <a:latin typeface="Times New Roman MT" panose="02030502070405020303"/>
+                <a:ea typeface="Times New Roman MT" panose="02030502070405020303"/>
+                <a:cs typeface="Times New Roman MT" panose="02030502070405020303"/>
+                <a:sym typeface="Times New Roman MT" panose="02030502070405020303"/>
+              </a:rPr>
+              <a:t>L1S22BSCS0188 — Rana Hassan</a:t>
+            </a:r>
+            <a:endParaRPr lang="en-US" sz="2200">
+              <a:solidFill>
+                <a:srgbClr val="DCDCDC"/>
+              </a:solidFill>
+              <a:latin typeface="Times New Roman MT" panose="02030502070405020303"/>
+              <a:ea typeface="Times New Roman MT" panose="02030502070405020303"/>
+              <a:cs typeface="Times New Roman MT" panose="02030502070405020303"/>
+              <a:sym typeface="Times New Roman MT" panose="02030502070405020303"/>
+            </a:endParaRPr>
+          </a:p>
+          <a:p>
+            <a:pPr algn="just">
+              <a:lnSpc>
+                <a:spcPct val="100000"/>
+              </a:lnSpc>
+            </a:pPr>
             <a:endParaRPr lang="en-US" sz="2200">
               <a:solidFill>
                 <a:srgbClr val="DCDCDC"/>
@@ -10781,7 +10825,7 @@
                   <a:cs typeface="Calibri (MS) Bold" panose="020F0702030404030204"/>
                   <a:sym typeface="Calibri (MS) Bold" panose="020F0702030404030204"/>
                 </a:rPr>
-                <a:t>MPI</a:t>
+                <a:t>UDP</a:t>
               </a:r>
               <a:endParaRPr lang="en-US" sz="2560" b="1">
                 <a:solidFill>

--- a/WanderHub_AI_Presentation.pptx.pptx
+++ b/WanderHub_AI_Presentation.pptx.pptx
@@ -3676,7 +3676,7 @@
                 <a:cs typeface="Times New Roman MT" panose="02030502070405020303"/>
                 <a:sym typeface="Times New Roman MT" panose="02030502070405020303"/>
               </a:rPr>
-              <a:t>L1S22BSCS0188 — Rana Hassan</a:t>
+              <a:t>L1S22BSCS0224 — Rana Hassan</a:t>
             </a:r>
             <a:endParaRPr lang="en-US" sz="2200">
               <a:solidFill>
